--- a/spring11/slides11/slides14w.pptx
+++ b/spring11/slides11/slides14w.pptx
@@ -2901,11 +2901,7 @@
             </a:pPr>
             <a:r>
               <a:rPr lang="en-US" dirty="0" smtClean="0"/>
-              <a:t>May 11, </a:t>
-            </a:r>
-            <a:r>
-              <a:rPr lang="en-US" dirty="0" smtClean="0"/>
-              <a:t>2010</a:t>
+              <a:t>May 11, 2010</a:t>
             </a:r>
             <a:endParaRPr lang="en-US" dirty="0"/>
           </a:p>
@@ -3082,11 +3078,7 @@
             </a:pPr>
             <a:r>
               <a:rPr lang="en-US" dirty="0" smtClean="0"/>
-              <a:t>May 11, </a:t>
-            </a:r>
-            <a:r>
-              <a:rPr lang="en-US" dirty="0" smtClean="0"/>
-              <a:t>2010</a:t>
+              <a:t>May 11, 2010</a:t>
             </a:r>
             <a:endParaRPr lang="en-US" dirty="0"/>
           </a:p>
@@ -3285,11 +3277,7 @@
             </a:pPr>
             <a:r>
               <a:rPr lang="en-US" dirty="0" smtClean="0"/>
-              <a:t>May 11, </a:t>
-            </a:r>
-            <a:r>
-              <a:rPr lang="en-US" dirty="0" smtClean="0"/>
-              <a:t>2010</a:t>
+              <a:t>May 11, 2010</a:t>
             </a:r>
             <a:endParaRPr lang="en-US" dirty="0"/>
           </a:p>
@@ -3414,11 +3402,7 @@
             </a:pPr>
             <a:r>
               <a:rPr lang="en-US" dirty="0" smtClean="0"/>
-              <a:t>May 11, </a:t>
-            </a:r>
-            <a:r>
-              <a:rPr lang="en-US" dirty="0" smtClean="0"/>
-              <a:t>2010</a:t>
+              <a:t>May 11, 2010</a:t>
             </a:r>
             <a:endParaRPr lang="en-US" dirty="0"/>
           </a:p>
@@ -3520,11 +3504,7 @@
             </a:pPr>
             <a:r>
               <a:rPr lang="en-US" dirty="0" smtClean="0"/>
-              <a:t>May 11, </a:t>
-            </a:r>
-            <a:r>
-              <a:rPr lang="en-US" dirty="0" smtClean="0"/>
-              <a:t>2010</a:t>
+              <a:t>May 11, 2010</a:t>
             </a:r>
             <a:endParaRPr lang="en-US" dirty="0"/>
           </a:p>
@@ -3785,11 +3765,7 @@
             </a:pPr>
             <a:r>
               <a:rPr lang="en-US" dirty="0" smtClean="0"/>
-              <a:t>May 11, </a:t>
-            </a:r>
-            <a:r>
-              <a:rPr lang="en-US" dirty="0" smtClean="0"/>
-              <a:t>2010</a:t>
+              <a:t>May 11, 2010</a:t>
             </a:r>
             <a:endParaRPr lang="en-US" dirty="0"/>
           </a:p>
@@ -4037,11 +4013,7 @@
             </a:pPr>
             <a:r>
               <a:rPr lang="en-US" dirty="0" smtClean="0"/>
-              <a:t>Albert R Meyer,                        May </a:t>
-            </a:r>
-            <a:r>
-              <a:rPr lang="en-US" dirty="0" smtClean="0"/>
-              <a:t>11, 2011</a:t>
+              <a:t>Albert R Meyer,                        May 11, 2011</a:t>
             </a:r>
             <a:endParaRPr lang="en-US" dirty="0"/>
           </a:p>
@@ -4821,15 +4793,7 @@
             </a:pPr>
             <a:r>
               <a:rPr lang="en-US" dirty="0" smtClean="0"/>
-              <a:t>Albert R Meyer,                       </a:t>
-            </a:r>
-            <a:r>
-              <a:rPr lang="en-US" dirty="0" smtClean="0"/>
-              <a:t> May 11, </a:t>
-            </a:r>
-            <a:r>
-              <a:rPr lang="en-US" dirty="0" smtClean="0"/>
-              <a:t>2010</a:t>
+              <a:t>Albert R Meyer,                        May 11, 2010</a:t>
             </a:r>
             <a:endParaRPr lang="en-US" dirty="0"/>
           </a:p>
@@ -5750,15 +5714,7 @@
             </a:pPr>
             <a:r>
               <a:rPr lang="en-US" dirty="0" smtClean="0"/>
-              <a:t>Albert R Meyer,                       </a:t>
-            </a:r>
-            <a:r>
-              <a:rPr lang="en-US" dirty="0" smtClean="0"/>
-              <a:t> May 11, </a:t>
-            </a:r>
-            <a:r>
-              <a:rPr lang="en-US" dirty="0" smtClean="0"/>
-              <a:t>2010</a:t>
+              <a:t>Albert R Meyer,                        May 11, 2010</a:t>
             </a:r>
             <a:endParaRPr lang="en-US" dirty="0"/>
           </a:p>
@@ -5979,6 +5935,50 @@
             <a:r>
               <a:rPr lang="en-US" sz="4400" dirty="0" smtClean="0"/>
               <a:t>)</a:t>
+            </a:r>
+          </a:p>
+        </p:txBody>
+      </p:sp>
+      <p:sp>
+        <p:nvSpPr>
+          <p:cNvPr id="27" name="Rectangle 26"/>
+          <p:cNvSpPr>
+            <a:spLocks noChangeArrowheads="1"/>
+          </p:cNvSpPr>
+          <p:nvPr/>
+        </p:nvSpPr>
+        <p:spPr bwMode="auto">
+          <a:xfrm>
+            <a:off x="2819400" y="2590800"/>
+            <a:ext cx="376238" cy="461665"/>
+          </a:xfrm>
+          <a:prstGeom prst="rect">
+            <a:avLst/>
+          </a:prstGeom>
+          <a:noFill/>
+          <a:ln w="9525">
+            <a:noFill/>
+            <a:miter lim="800000"/>
+            <a:headEnd/>
+            <a:tailEnd/>
+          </a:ln>
+        </p:spPr>
+        <p:txBody>
+          <a:bodyPr wrap="square">
+            <a:prstTxWarp prst="textNoShape">
+              <a:avLst/>
+            </a:prstTxWarp>
+            <a:spAutoFit/>
+          </a:bodyPr>
+          <a:lstStyle/>
+          <a:p>
+            <a:r>
+              <a:rPr lang="en-US" dirty="0">
+                <a:solidFill>
+                  <a:schemeClr val="accent2"/>
+                </a:solidFill>
+              </a:rPr>
+              <a:t>B</a:t>
             </a:r>
           </a:p>
         </p:txBody>
@@ -7307,15 +7307,7 @@
             </a:pPr>
             <a:r>
               <a:rPr lang="en-US" dirty="0" smtClean="0"/>
-              <a:t>Albert R Meyer,                       </a:t>
-            </a:r>
-            <a:r>
-              <a:rPr lang="en-US" dirty="0" smtClean="0"/>
-              <a:t> May 11, </a:t>
-            </a:r>
-            <a:r>
-              <a:rPr lang="en-US" dirty="0" smtClean="0"/>
-              <a:t>2010</a:t>
+              <a:t>Albert R Meyer,                        May 11, 2010</a:t>
             </a:r>
             <a:endParaRPr lang="en-US" dirty="0"/>
           </a:p>
@@ -7543,6 +7535,50 @@
               <a:t>=</a:t>
             </a:r>
             <a:endParaRPr lang="en-US" sz="3600" dirty="0"/>
+          </a:p>
+        </p:txBody>
+      </p:sp>
+      <p:sp>
+        <p:nvSpPr>
+          <p:cNvPr id="29" name="Rectangle 26"/>
+          <p:cNvSpPr>
+            <a:spLocks noChangeArrowheads="1"/>
+          </p:cNvSpPr>
+          <p:nvPr/>
+        </p:nvSpPr>
+        <p:spPr bwMode="auto">
+          <a:xfrm>
+            <a:off x="2819400" y="2590800"/>
+            <a:ext cx="376238" cy="461665"/>
+          </a:xfrm>
+          <a:prstGeom prst="rect">
+            <a:avLst/>
+          </a:prstGeom>
+          <a:noFill/>
+          <a:ln w="9525">
+            <a:noFill/>
+            <a:miter lim="800000"/>
+            <a:headEnd/>
+            <a:tailEnd/>
+          </a:ln>
+        </p:spPr>
+        <p:txBody>
+          <a:bodyPr wrap="square">
+            <a:prstTxWarp prst="textNoShape">
+              <a:avLst/>
+            </a:prstTxWarp>
+            <a:spAutoFit/>
+          </a:bodyPr>
+          <a:lstStyle/>
+          <a:p>
+            <a:r>
+              <a:rPr lang="en-US" dirty="0">
+                <a:solidFill>
+                  <a:schemeClr val="accent2"/>
+                </a:solidFill>
+              </a:rPr>
+              <a:t>B</a:t>
+            </a:r>
           </a:p>
         </p:txBody>
       </p:sp>
@@ -8954,15 +8990,7 @@
             </a:pPr>
             <a:r>
               <a:rPr lang="en-US" dirty="0" smtClean="0"/>
-              <a:t>Albert R Meyer,                       </a:t>
-            </a:r>
-            <a:r>
-              <a:rPr lang="en-US" dirty="0" smtClean="0"/>
-              <a:t> May 11, </a:t>
-            </a:r>
-            <a:r>
-              <a:rPr lang="en-US" dirty="0" smtClean="0"/>
-              <a:t>2010</a:t>
+              <a:t>Albert R Meyer,                        May 11, 2010</a:t>
             </a:r>
             <a:endParaRPr lang="en-US" dirty="0"/>
           </a:p>
@@ -9566,6 +9594,50 @@
                 </a:solidFill>
               </a:rPr>
               <a:t>1/3</a:t>
+            </a:r>
+          </a:p>
+        </p:txBody>
+      </p:sp>
+      <p:sp>
+        <p:nvSpPr>
+          <p:cNvPr id="40" name="Rectangle 26"/>
+          <p:cNvSpPr>
+            <a:spLocks noChangeArrowheads="1"/>
+          </p:cNvSpPr>
+          <p:nvPr/>
+        </p:nvSpPr>
+        <p:spPr bwMode="auto">
+          <a:xfrm>
+            <a:off x="2819400" y="2590800"/>
+            <a:ext cx="376238" cy="461665"/>
+          </a:xfrm>
+          <a:prstGeom prst="rect">
+            <a:avLst/>
+          </a:prstGeom>
+          <a:noFill/>
+          <a:ln w="9525">
+            <a:noFill/>
+            <a:miter lim="800000"/>
+            <a:headEnd/>
+            <a:tailEnd/>
+          </a:ln>
+        </p:spPr>
+        <p:txBody>
+          <a:bodyPr wrap="square">
+            <a:prstTxWarp prst="textNoShape">
+              <a:avLst/>
+            </a:prstTxWarp>
+            <a:spAutoFit/>
+          </a:bodyPr>
+          <a:lstStyle/>
+          <a:p>
+            <a:r>
+              <a:rPr lang="en-US" dirty="0">
+                <a:solidFill>
+                  <a:schemeClr val="accent2"/>
+                </a:solidFill>
+              </a:rPr>
+              <a:t>B</a:t>
             </a:r>
           </a:p>
         </p:txBody>
@@ -11192,15 +11264,7 @@
             </a:pPr>
             <a:r>
               <a:rPr lang="en-US" dirty="0" smtClean="0"/>
-              <a:t>Albert R Meyer,                       </a:t>
-            </a:r>
-            <a:r>
-              <a:rPr lang="en-US" dirty="0" smtClean="0"/>
-              <a:t> May 11, </a:t>
-            </a:r>
-            <a:r>
-              <a:rPr lang="en-US" dirty="0" smtClean="0"/>
-              <a:t>2010</a:t>
+              <a:t>Albert R Meyer,                        May 11, 2010</a:t>
             </a:r>
             <a:endParaRPr lang="en-US" dirty="0"/>
           </a:p>
@@ -11226,6 +11290,50 @@
           </a:graphicData>
         </a:graphic>
       </p:graphicFrame>
+      <p:sp>
+        <p:nvSpPr>
+          <p:cNvPr id="27" name="Rectangle 26"/>
+          <p:cNvSpPr>
+            <a:spLocks noChangeArrowheads="1"/>
+          </p:cNvSpPr>
+          <p:nvPr/>
+        </p:nvSpPr>
+        <p:spPr bwMode="auto">
+          <a:xfrm>
+            <a:off x="2819400" y="2590800"/>
+            <a:ext cx="376238" cy="461665"/>
+          </a:xfrm>
+          <a:prstGeom prst="rect">
+            <a:avLst/>
+          </a:prstGeom>
+          <a:noFill/>
+          <a:ln w="9525">
+            <a:noFill/>
+            <a:miter lim="800000"/>
+            <a:headEnd/>
+            <a:tailEnd/>
+          </a:ln>
+        </p:spPr>
+        <p:txBody>
+          <a:bodyPr wrap="square">
+            <a:prstTxWarp prst="textNoShape">
+              <a:avLst/>
+            </a:prstTxWarp>
+            <a:spAutoFit/>
+          </a:bodyPr>
+          <a:lstStyle/>
+          <a:p>
+            <a:r>
+              <a:rPr lang="en-US" dirty="0">
+                <a:solidFill>
+                  <a:schemeClr val="accent2"/>
+                </a:solidFill>
+              </a:rPr>
+              <a:t>B</a:t>
+            </a:r>
+          </a:p>
+        </p:txBody>
+      </p:sp>
     </p:spTree>
   </p:cSld>
   <p:clrMapOvr>
@@ -12340,15 +12448,7 @@
             </a:pPr>
             <a:r>
               <a:rPr lang="en-US" dirty="0" smtClean="0"/>
-              <a:t>Albert R Meyer,                       </a:t>
-            </a:r>
-            <a:r>
-              <a:rPr lang="en-US" dirty="0" smtClean="0"/>
-              <a:t> May 11, </a:t>
-            </a:r>
-            <a:r>
-              <a:rPr lang="en-US" dirty="0" smtClean="0"/>
-              <a:t>2010</a:t>
+              <a:t>Albert R Meyer,                        May 11, 2010</a:t>
             </a:r>
             <a:endParaRPr lang="en-US" dirty="0"/>
           </a:p>
@@ -12415,6 +12515,50 @@
               <a:t>?</a:t>
             </a:r>
             <a:endParaRPr lang="en-US" sz="2800" dirty="0"/>
+          </a:p>
+        </p:txBody>
+      </p:sp>
+      <p:sp>
+        <p:nvSpPr>
+          <p:cNvPr id="26" name="Rectangle 26"/>
+          <p:cNvSpPr>
+            <a:spLocks noChangeArrowheads="1"/>
+          </p:cNvSpPr>
+          <p:nvPr/>
+        </p:nvSpPr>
+        <p:spPr bwMode="auto">
+          <a:xfrm>
+            <a:off x="2819400" y="2590800"/>
+            <a:ext cx="376238" cy="461665"/>
+          </a:xfrm>
+          <a:prstGeom prst="rect">
+            <a:avLst/>
+          </a:prstGeom>
+          <a:noFill/>
+          <a:ln w="9525">
+            <a:noFill/>
+            <a:miter lim="800000"/>
+            <a:headEnd/>
+            <a:tailEnd/>
+          </a:ln>
+        </p:spPr>
+        <p:txBody>
+          <a:bodyPr wrap="square">
+            <a:prstTxWarp prst="textNoShape">
+              <a:avLst/>
+            </a:prstTxWarp>
+            <a:spAutoFit/>
+          </a:bodyPr>
+          <a:lstStyle/>
+          <a:p>
+            <a:r>
+              <a:rPr lang="en-US" dirty="0">
+                <a:solidFill>
+                  <a:schemeClr val="accent2"/>
+                </a:solidFill>
+              </a:rPr>
+              <a:t>B</a:t>
+            </a:r>
           </a:p>
         </p:txBody>
       </p:sp>
@@ -12830,15 +12974,7 @@
             </a:pPr>
             <a:r>
               <a:rPr lang="en-US" dirty="0" smtClean="0"/>
-              <a:t>Albert R Meyer,                       </a:t>
-            </a:r>
-            <a:r>
-              <a:rPr lang="en-US" dirty="0" smtClean="0"/>
-              <a:t> May 11, </a:t>
-            </a:r>
-            <a:r>
-              <a:rPr lang="en-US" dirty="0" smtClean="0"/>
-              <a:t>2010</a:t>
+              <a:t>Albert R Meyer,                        May 11, 2010</a:t>
             </a:r>
             <a:endParaRPr lang="en-US" dirty="0"/>
           </a:p>
@@ -13649,6 +13785,50 @@
           <a:lstStyle/>
           <a:p>
             <a:endParaRPr lang="en-US"/>
+          </a:p>
+        </p:txBody>
+      </p:sp>
+      <p:sp>
+        <p:nvSpPr>
+          <p:cNvPr id="43" name="Rectangle 26"/>
+          <p:cNvSpPr>
+            <a:spLocks noChangeArrowheads="1"/>
+          </p:cNvSpPr>
+          <p:nvPr/>
+        </p:nvSpPr>
+        <p:spPr bwMode="auto">
+          <a:xfrm>
+            <a:off x="2819400" y="2590800"/>
+            <a:ext cx="376238" cy="461665"/>
+          </a:xfrm>
+          <a:prstGeom prst="rect">
+            <a:avLst/>
+          </a:prstGeom>
+          <a:noFill/>
+          <a:ln w="9525">
+            <a:noFill/>
+            <a:miter lim="800000"/>
+            <a:headEnd/>
+            <a:tailEnd/>
+          </a:ln>
+        </p:spPr>
+        <p:txBody>
+          <a:bodyPr wrap="square">
+            <a:prstTxWarp prst="textNoShape">
+              <a:avLst/>
+            </a:prstTxWarp>
+            <a:spAutoFit/>
+          </a:bodyPr>
+          <a:lstStyle/>
+          <a:p>
+            <a:r>
+              <a:rPr lang="en-US" dirty="0">
+                <a:solidFill>
+                  <a:schemeClr val="accent2"/>
+                </a:solidFill>
+              </a:rPr>
+              <a:t>B</a:t>
+            </a:r>
           </a:p>
         </p:txBody>
       </p:sp>
@@ -14463,15 +14643,7 @@
             </a:pPr>
             <a:r>
               <a:rPr lang="en-US" dirty="0" smtClean="0"/>
-              <a:t>Albert R Meyer,                       </a:t>
-            </a:r>
-            <a:r>
-              <a:rPr lang="en-US" dirty="0" smtClean="0"/>
-              <a:t> May 11, </a:t>
-            </a:r>
-            <a:r>
-              <a:rPr lang="en-US" dirty="0" smtClean="0"/>
-              <a:t>2010</a:t>
+              <a:t>Albert R Meyer,                        May 11, 2010</a:t>
             </a:r>
             <a:endParaRPr lang="en-US" dirty="0"/>
           </a:p>
@@ -15617,15 +15789,7 @@
             </a:pPr>
             <a:r>
               <a:rPr lang="en-US" dirty="0" smtClean="0"/>
-              <a:t>Albert R Meyer,                        May </a:t>
-            </a:r>
-            <a:r>
-              <a:rPr lang="en-US" dirty="0" smtClean="0"/>
-              <a:t>11, </a:t>
-            </a:r>
-            <a:r>
-              <a:rPr lang="en-US" dirty="0" smtClean="0"/>
-              <a:t>2010</a:t>
+              <a:t>Albert R Meyer,                        May 11, 2010</a:t>
             </a:r>
             <a:endParaRPr lang="en-US" dirty="0"/>
           </a:p>
@@ -17028,15 +17192,7 @@
             </a:pPr>
             <a:r>
               <a:rPr lang="en-US" dirty="0" smtClean="0"/>
-              <a:t>Albert R Meyer,                       </a:t>
-            </a:r>
-            <a:r>
-              <a:rPr lang="en-US" dirty="0" smtClean="0"/>
-              <a:t> May 11, </a:t>
-            </a:r>
-            <a:r>
-              <a:rPr lang="en-US" dirty="0" smtClean="0"/>
-              <a:t>2010</a:t>
+              <a:t>Albert R Meyer,                        May 11, 2010</a:t>
             </a:r>
             <a:endParaRPr lang="en-US" dirty="0"/>
           </a:p>
@@ -17774,15 +17930,7 @@
             </a:pPr>
             <a:r>
               <a:rPr lang="en-US" dirty="0" smtClean="0"/>
-              <a:t>Albert R Meyer,                       </a:t>
-            </a:r>
-            <a:r>
-              <a:rPr lang="en-US" dirty="0" smtClean="0"/>
-              <a:t> May 11, </a:t>
-            </a:r>
-            <a:r>
-              <a:rPr lang="en-US" dirty="0" smtClean="0"/>
-              <a:t>2010</a:t>
+              <a:t>Albert R Meyer,                        May 11, 2010</a:t>
             </a:r>
             <a:endParaRPr lang="en-US" dirty="0"/>
           </a:p>
@@ -18455,15 +18603,7 @@
             </a:pPr>
             <a:r>
               <a:rPr lang="en-US" dirty="0" smtClean="0"/>
-              <a:t>Albert R Meyer,                       </a:t>
-            </a:r>
-            <a:r>
-              <a:rPr lang="en-US" dirty="0" smtClean="0"/>
-              <a:t> May 11, </a:t>
-            </a:r>
-            <a:r>
-              <a:rPr lang="en-US" dirty="0" smtClean="0"/>
-              <a:t>2010</a:t>
+              <a:t>Albert R Meyer,                        May 11, 2010</a:t>
             </a:r>
             <a:endParaRPr lang="en-US" dirty="0"/>
           </a:p>
@@ -19667,15 +19807,7 @@
             </a:pPr>
             <a:r>
               <a:rPr lang="en-US" dirty="0" smtClean="0"/>
-              <a:t>Albert R Meyer,                       </a:t>
-            </a:r>
-            <a:r>
-              <a:rPr lang="en-US" dirty="0" smtClean="0"/>
-              <a:t> May 11, </a:t>
-            </a:r>
-            <a:r>
-              <a:rPr lang="en-US" dirty="0" smtClean="0"/>
-              <a:t>2010</a:t>
+              <a:t>Albert R Meyer,                        May 11, 2010</a:t>
             </a:r>
             <a:endParaRPr lang="en-US" dirty="0"/>
           </a:p>
@@ -19965,11 +20097,7 @@
             </a:pPr>
             <a:r>
               <a:rPr lang="en-US" sz="9600" dirty="0" smtClean="0"/>
-              <a:t>1</a:t>
-            </a:r>
-            <a:r>
-              <a:rPr lang="en-US" sz="9600" dirty="0" smtClean="0"/>
-              <a:t> -- 3</a:t>
+              <a:t>1 -- 3</a:t>
             </a:r>
             <a:endParaRPr lang="en-US" sz="9600" dirty="0"/>
           </a:p>
@@ -20022,15 +20150,7 @@
             </a:pPr>
             <a:r>
               <a:rPr lang="en-US" dirty="0" smtClean="0"/>
-              <a:t>Albert R Meyer,                       </a:t>
-            </a:r>
-            <a:r>
-              <a:rPr lang="en-US" dirty="0" smtClean="0"/>
-              <a:t> May 11, </a:t>
-            </a:r>
-            <a:r>
-              <a:rPr lang="en-US" dirty="0" smtClean="0"/>
-              <a:t>2010</a:t>
+              <a:t>Albert R Meyer,                        May 11, 2010</a:t>
             </a:r>
             <a:endParaRPr lang="en-US" dirty="0"/>
           </a:p>
@@ -20257,15 +20377,7 @@
             </a:pPr>
             <a:r>
               <a:rPr lang="en-US" dirty="0" smtClean="0"/>
-              <a:t>Albert R Meyer,                       </a:t>
-            </a:r>
-            <a:r>
-              <a:rPr lang="en-US" dirty="0" smtClean="0"/>
-              <a:t> May 11, </a:t>
-            </a:r>
-            <a:r>
-              <a:rPr lang="en-US" dirty="0" smtClean="0"/>
-              <a:t>2010</a:t>
+              <a:t>Albert R Meyer,                        May 11, 2010</a:t>
             </a:r>
             <a:endParaRPr lang="en-US" dirty="0"/>
           </a:p>
@@ -21292,7 +21404,7 @@
           <a:lstStyle/>
           <a:p>
             <a:r>
-              <a:rPr lang="en-US">
+              <a:rPr lang="en-US" dirty="0">
                 <a:solidFill>
                   <a:schemeClr val="accent2"/>
                 </a:solidFill>
@@ -21437,15 +21549,7 @@
             </a:pPr>
             <a:r>
               <a:rPr lang="en-US" dirty="0" smtClean="0"/>
-              <a:t>Albert R Meyer,                       </a:t>
-            </a:r>
-            <a:r>
-              <a:rPr lang="en-US" dirty="0" smtClean="0"/>
-              <a:t> May 11, </a:t>
-            </a:r>
-            <a:r>
-              <a:rPr lang="en-US" dirty="0" smtClean="0"/>
-              <a:t>2010</a:t>
+              <a:t>Albert R Meyer,                        May 11, 2010</a:t>
             </a:r>
             <a:endParaRPr lang="en-US" dirty="0"/>
           </a:p>
@@ -23582,17 +23686,53 @@
             </a:pPr>
             <a:r>
               <a:rPr lang="en-US" dirty="0" smtClean="0"/>
-              <a:t>Albert R Meyer,                       </a:t>
-            </a:r>
-            <a:r>
-              <a:rPr lang="en-US" dirty="0" smtClean="0"/>
-              <a:t> May 11, </a:t>
-            </a:r>
-            <a:r>
-              <a:rPr lang="en-US" dirty="0" smtClean="0"/>
-              <a:t>2010</a:t>
+              <a:t>Albert R Meyer,                        May 11, 2010</a:t>
             </a:r>
             <a:endParaRPr lang="en-US" dirty="0"/>
+          </a:p>
+        </p:txBody>
+      </p:sp>
+      <p:sp>
+        <p:nvSpPr>
+          <p:cNvPr id="39" name="Rectangle 26"/>
+          <p:cNvSpPr>
+            <a:spLocks noChangeArrowheads="1"/>
+          </p:cNvSpPr>
+          <p:nvPr/>
+        </p:nvSpPr>
+        <p:spPr bwMode="auto">
+          <a:xfrm>
+            <a:off x="2819400" y="2590800"/>
+            <a:ext cx="376238" cy="461665"/>
+          </a:xfrm>
+          <a:prstGeom prst="rect">
+            <a:avLst/>
+          </a:prstGeom>
+          <a:noFill/>
+          <a:ln w="9525">
+            <a:noFill/>
+            <a:miter lim="800000"/>
+            <a:headEnd/>
+            <a:tailEnd/>
+          </a:ln>
+        </p:spPr>
+        <p:txBody>
+          <a:bodyPr wrap="square">
+            <a:prstTxWarp prst="textNoShape">
+              <a:avLst/>
+            </a:prstTxWarp>
+            <a:spAutoFit/>
+          </a:bodyPr>
+          <a:lstStyle/>
+          <a:p>
+            <a:r>
+              <a:rPr lang="en-US" dirty="0">
+                <a:solidFill>
+                  <a:schemeClr val="accent2"/>
+                </a:solidFill>
+              </a:rPr>
+              <a:t>B</a:t>
+            </a:r>
           </a:p>
         </p:txBody>
       </p:sp>
@@ -26394,15 +26534,7 @@
             </a:pPr>
             <a:r>
               <a:rPr lang="en-US" dirty="0" smtClean="0"/>
-              <a:t>Albert R Meyer,                       </a:t>
-            </a:r>
-            <a:r>
-              <a:rPr lang="en-US" dirty="0" smtClean="0"/>
-              <a:t> May 11, </a:t>
-            </a:r>
-            <a:r>
-              <a:rPr lang="en-US" dirty="0" smtClean="0"/>
-              <a:t>2010</a:t>
+              <a:t>Albert R Meyer,                        May 11, 2010</a:t>
             </a:r>
             <a:endParaRPr lang="en-US" dirty="0"/>
           </a:p>
@@ -26639,6 +26771,50 @@
               <a:ea typeface="+mn-ea"/>
               <a:cs typeface="ＭＳ Ｐゴシック" pitchFamily="-111" charset="-128"/>
             </a:endParaRPr>
+          </a:p>
+        </p:txBody>
+      </p:sp>
+      <p:sp>
+        <p:nvSpPr>
+          <p:cNvPr id="42" name="Rectangle 26"/>
+          <p:cNvSpPr>
+            <a:spLocks noChangeArrowheads="1"/>
+          </p:cNvSpPr>
+          <p:nvPr/>
+        </p:nvSpPr>
+        <p:spPr bwMode="auto">
+          <a:xfrm>
+            <a:off x="2819400" y="2590800"/>
+            <a:ext cx="376238" cy="461665"/>
+          </a:xfrm>
+          <a:prstGeom prst="rect">
+            <a:avLst/>
+          </a:prstGeom>
+          <a:noFill/>
+          <a:ln w="9525">
+            <a:noFill/>
+            <a:miter lim="800000"/>
+            <a:headEnd/>
+            <a:tailEnd/>
+          </a:ln>
+        </p:spPr>
+        <p:txBody>
+          <a:bodyPr wrap="square">
+            <a:prstTxWarp prst="textNoShape">
+              <a:avLst/>
+            </a:prstTxWarp>
+            <a:spAutoFit/>
+          </a:bodyPr>
+          <a:lstStyle/>
+          <a:p>
+            <a:r>
+              <a:rPr lang="en-US" dirty="0">
+                <a:solidFill>
+                  <a:schemeClr val="accent2"/>
+                </a:solidFill>
+              </a:rPr>
+              <a:t>B</a:t>
+            </a:r>
           </a:p>
         </p:txBody>
       </p:sp>
@@ -28331,15 +28507,7 @@
             </a:pPr>
             <a:r>
               <a:rPr lang="en-US" dirty="0" smtClean="0"/>
-              <a:t>Albert R Meyer,                       </a:t>
-            </a:r>
-            <a:r>
-              <a:rPr lang="en-US" dirty="0" smtClean="0"/>
-              <a:t> May 11, </a:t>
-            </a:r>
-            <a:r>
-              <a:rPr lang="en-US" dirty="0" smtClean="0"/>
-              <a:t>2010</a:t>
+              <a:t>Albert R Meyer,                        May 11, 2010</a:t>
             </a:r>
             <a:endParaRPr lang="en-US" dirty="0"/>
           </a:p>
@@ -28565,6 +28733,50 @@
               <a:t>step:</a:t>
             </a:r>
             <a:endParaRPr lang="en-US" sz="4800" dirty="0"/>
+          </a:p>
+        </p:txBody>
+      </p:sp>
+      <p:sp>
+        <p:nvSpPr>
+          <p:cNvPr id="43" name="Rectangle 26"/>
+          <p:cNvSpPr>
+            <a:spLocks noChangeArrowheads="1"/>
+          </p:cNvSpPr>
+          <p:nvPr/>
+        </p:nvSpPr>
+        <p:spPr bwMode="auto">
+          <a:xfrm>
+            <a:off x="2819400" y="2590800"/>
+            <a:ext cx="376238" cy="461665"/>
+          </a:xfrm>
+          <a:prstGeom prst="rect">
+            <a:avLst/>
+          </a:prstGeom>
+          <a:noFill/>
+          <a:ln w="9525">
+            <a:noFill/>
+            <a:miter lim="800000"/>
+            <a:headEnd/>
+            <a:tailEnd/>
+          </a:ln>
+        </p:spPr>
+        <p:txBody>
+          <a:bodyPr wrap="square">
+            <a:prstTxWarp prst="textNoShape">
+              <a:avLst/>
+            </a:prstTxWarp>
+            <a:spAutoFit/>
+          </a:bodyPr>
+          <a:lstStyle/>
+          <a:p>
+            <a:r>
+              <a:rPr lang="en-US" dirty="0">
+                <a:solidFill>
+                  <a:schemeClr val="accent2"/>
+                </a:solidFill>
+              </a:rPr>
+              <a:t>B</a:t>
+            </a:r>
           </a:p>
         </p:txBody>
       </p:sp>
@@ -30396,15 +30608,7 @@
             </a:pPr>
             <a:r>
               <a:rPr lang="en-US" dirty="0" smtClean="0"/>
-              <a:t>Albert R Meyer,                       </a:t>
-            </a:r>
-            <a:r>
-              <a:rPr lang="en-US" dirty="0" smtClean="0"/>
-              <a:t> May 11, </a:t>
-            </a:r>
-            <a:r>
-              <a:rPr lang="en-US" dirty="0" smtClean="0"/>
-              <a:t>2010</a:t>
+              <a:t>Albert R Meyer,                        May 11, 2010</a:t>
             </a:r>
             <a:endParaRPr lang="en-US" dirty="0"/>
           </a:p>
@@ -30857,6 +31061,50 @@
                 <a:srgbClr val="FF6600"/>
               </a:solidFill>
             </a:endParaRPr>
+          </a:p>
+        </p:txBody>
+      </p:sp>
+      <p:sp>
+        <p:nvSpPr>
+          <p:cNvPr id="44" name="Rectangle 26"/>
+          <p:cNvSpPr>
+            <a:spLocks noChangeArrowheads="1"/>
+          </p:cNvSpPr>
+          <p:nvPr/>
+        </p:nvSpPr>
+        <p:spPr bwMode="auto">
+          <a:xfrm>
+            <a:off x="2819400" y="2590800"/>
+            <a:ext cx="376238" cy="461665"/>
+          </a:xfrm>
+          <a:prstGeom prst="rect">
+            <a:avLst/>
+          </a:prstGeom>
+          <a:noFill/>
+          <a:ln w="9525">
+            <a:noFill/>
+            <a:miter lim="800000"/>
+            <a:headEnd/>
+            <a:tailEnd/>
+          </a:ln>
+        </p:spPr>
+        <p:txBody>
+          <a:bodyPr wrap="square">
+            <a:prstTxWarp prst="textNoShape">
+              <a:avLst/>
+            </a:prstTxWarp>
+            <a:spAutoFit/>
+          </a:bodyPr>
+          <a:lstStyle/>
+          <a:p>
+            <a:r>
+              <a:rPr lang="en-US" dirty="0">
+                <a:solidFill>
+                  <a:schemeClr val="accent2"/>
+                </a:solidFill>
+              </a:rPr>
+              <a:t>B</a:t>
+            </a:r>
           </a:p>
         </p:txBody>
       </p:sp>
@@ -32564,15 +32812,7 @@
             </a:pPr>
             <a:r>
               <a:rPr lang="en-US" dirty="0" smtClean="0"/>
-              <a:t>Albert R Meyer,                       </a:t>
-            </a:r>
-            <a:r>
-              <a:rPr lang="en-US" dirty="0" smtClean="0"/>
-              <a:t> May 11, </a:t>
-            </a:r>
-            <a:r>
-              <a:rPr lang="en-US" dirty="0" smtClean="0"/>
-              <a:t>2010</a:t>
+              <a:t>Albert R Meyer,                        May 11, 2010</a:t>
             </a:r>
             <a:endParaRPr lang="en-US" dirty="0"/>
           </a:p>
@@ -32896,6 +33136,50 @@
                 <a:srgbClr val="0000FF"/>
               </a:solidFill>
             </a:endParaRPr>
+          </a:p>
+        </p:txBody>
+      </p:sp>
+      <p:sp>
+        <p:nvSpPr>
+          <p:cNvPr id="48" name="Rectangle 26"/>
+          <p:cNvSpPr>
+            <a:spLocks noChangeArrowheads="1"/>
+          </p:cNvSpPr>
+          <p:nvPr/>
+        </p:nvSpPr>
+        <p:spPr bwMode="auto">
+          <a:xfrm>
+            <a:off x="2819400" y="2590800"/>
+            <a:ext cx="376238" cy="461665"/>
+          </a:xfrm>
+          <a:prstGeom prst="rect">
+            <a:avLst/>
+          </a:prstGeom>
+          <a:noFill/>
+          <a:ln w="9525">
+            <a:noFill/>
+            <a:miter lim="800000"/>
+            <a:headEnd/>
+            <a:tailEnd/>
+          </a:ln>
+        </p:spPr>
+        <p:txBody>
+          <a:bodyPr wrap="square">
+            <a:prstTxWarp prst="textNoShape">
+              <a:avLst/>
+            </a:prstTxWarp>
+            <a:spAutoFit/>
+          </a:bodyPr>
+          <a:lstStyle/>
+          <a:p>
+            <a:r>
+              <a:rPr lang="en-US" dirty="0">
+                <a:solidFill>
+                  <a:schemeClr val="accent2"/>
+                </a:solidFill>
+              </a:rPr>
+              <a:t>B</a:t>
+            </a:r>
           </a:p>
         </p:txBody>
       </p:sp>
